--- a/StudentWork/Besh/SITE Report Bashaer.pptx
+++ b/StudentWork/Besh/SITE Report Bashaer.pptx
@@ -10014,7 +10014,7 @@
         <p:spPr>
           <a:xfrm>
             <a:off x="429421" y="4426500"/>
-            <a:ext cx="6096000" cy="1323439"/>
+            <a:ext cx="6096000" cy="1077218"/>
           </a:xfrm>
           <a:prstGeom prst="rect">
             <a:avLst/>
@@ -10040,7 +10040,7 @@
                 <a:latin typeface="Univers Next Arabic" panose="020B0503030202020203" pitchFamily="34" charset="-78"/>
                 <a:cs typeface="Univers Next Arabic" panose="020B0503030202020203" pitchFamily="34" charset="-78"/>
               </a:rPr>
-              <a:t>Abdullah</a:t>
+              <a:t>Ghadeer </a:t>
             </a:r>
           </a:p>
           <a:p>
@@ -10058,43 +10058,7 @@
                 <a:latin typeface="Univers Next Arabic" panose="020B0503030202020203" pitchFamily="34" charset="-78"/>
                 <a:cs typeface="Univers Next Arabic" panose="020B0503030202020203" pitchFamily="34" charset="-78"/>
               </a:rPr>
-              <a:t>Mohammad</a:t>
-            </a:r>
-          </a:p>
-          <a:p>
-            <a:pPr marL="457200" indent="-457200">
-              <a:buFont typeface="Wingdings" panose="05000000000000000000" pitchFamily="2" charset="2"/>
-              <a:buChar char="§"/>
-            </a:pPr>
-            <a:r>
-              <a:rPr lang="en-GB" sz="1600" dirty="0">
-                <a:solidFill>
-                  <a:prstClr val="white">
-                    <a:lumMod val="50000"/>
-                  </a:prstClr>
-                </a:solidFill>
-                <a:latin typeface="Univers Next Arabic" panose="020B0503030202020203" pitchFamily="34" charset="-78"/>
-                <a:cs typeface="Univers Next Arabic" panose="020B0503030202020203" pitchFamily="34" charset="-78"/>
-              </a:rPr>
-              <a:t>Ali</a:t>
-            </a:r>
-          </a:p>
-          <a:p>
-            <a:pPr marL="457200" indent="-457200">
-              <a:buFont typeface="Wingdings" panose="05000000000000000000" pitchFamily="2" charset="2"/>
-              <a:buChar char="§"/>
-            </a:pPr>
-            <a:r>
-              <a:rPr lang="en-GB" sz="1600" dirty="0">
-                <a:solidFill>
-                  <a:prstClr val="white">
-                    <a:lumMod val="50000"/>
-                  </a:prstClr>
-                </a:solidFill>
-                <a:latin typeface="Univers Next Arabic" panose="020B0503030202020203" pitchFamily="34" charset="-78"/>
-                <a:cs typeface="Univers Next Arabic" panose="020B0503030202020203" pitchFamily="34" charset="-78"/>
-              </a:rPr>
-              <a:t>Ibrahim</a:t>
+              <a:t>Lama Bander  </a:t>
             </a:r>
           </a:p>
           <a:p>
@@ -10112,8 +10076,23 @@
                 <a:latin typeface="Univers Next Arabic" panose="020B0503030202020203" pitchFamily="34" charset="-78"/>
                 <a:cs typeface="Univers Next Arabic" panose="020B0503030202020203" pitchFamily="34" charset="-78"/>
               </a:rPr>
-              <a:t>Nawaf</a:t>
+              <a:t>Bashaer</a:t>
             </a:r>
+            <a:endParaRPr lang="en-GB" sz="1600" dirty="0">
+              <a:solidFill>
+                <a:prstClr val="white">
+                  <a:lumMod val="50000"/>
+                </a:prstClr>
+              </a:solidFill>
+              <a:latin typeface="Univers Next Arabic" panose="020B0503030202020203" pitchFamily="34" charset="-78"/>
+              <a:cs typeface="Univers Next Arabic" panose="020B0503030202020203" pitchFamily="34" charset="-78"/>
+            </a:endParaRPr>
+          </a:p>
+          <a:p>
+            <a:pPr marL="457200" indent="-457200">
+              <a:buFont typeface="Wingdings" panose="05000000000000000000" pitchFamily="2" charset="2"/>
+              <a:buChar char="§"/>
+            </a:pPr>
             <a:endParaRPr lang="en-GB" sz="1600" dirty="0">
               <a:solidFill>
                 <a:prstClr val="white">
